--- a/junit/JUnit4.pptx
+++ b/junit/JUnit4.pptx
@@ -234,7 +234,7 @@
             <a:fld id="{7F613ED9-7442-4110-85C8-39E72E3878C4}" type="datetimeFigureOut">
               <a:rPr lang="en-US" smtClean="0"/>
               <a:pPr/>
-              <a:t>10/29/2018</a:t>
+              <a:t>10/30/2018</a:t>
             </a:fld>
             <a:endParaRPr lang="en-US"/>
           </a:p>
@@ -8716,7 +8716,7 @@
             <a:fld id="{1D8BD707-D9CF-40AE-B4C6-C98DA3205C09}" type="datetimeFigureOut">
               <a:rPr lang="en-US" smtClean="0"/>
               <a:pPr/>
-              <a:t>10/29/2018</a:t>
+              <a:t>10/30/2018</a:t>
             </a:fld>
             <a:endParaRPr lang="en-US"/>
           </a:p>
@@ -8910,7 +8910,7 @@
             <a:fld id="{1D8BD707-D9CF-40AE-B4C6-C98DA3205C09}" type="datetimeFigureOut">
               <a:rPr lang="en-US" smtClean="0"/>
               <a:pPr/>
-              <a:t>10/29/2018</a:t>
+              <a:t>10/30/2018</a:t>
             </a:fld>
             <a:endParaRPr lang="en-US"/>
           </a:p>
@@ -10097,7 +10097,7 @@
             <a:fld id="{1D8BD707-D9CF-40AE-B4C6-C98DA3205C09}" type="datetimeFigureOut">
               <a:rPr lang="en-US" smtClean="0"/>
               <a:pPr/>
-              <a:t>10/29/2018</a:t>
+              <a:t>10/30/2018</a:t>
             </a:fld>
             <a:endParaRPr lang="en-US"/>
           </a:p>
@@ -11322,7 +11322,7 @@
             <a:fld id="{1D8BD707-D9CF-40AE-B4C6-C98DA3205C09}" type="datetimeFigureOut">
               <a:rPr lang="en-US" smtClean="0"/>
               <a:pPr/>
-              <a:t>10/29/2018</a:t>
+              <a:t>10/30/2018</a:t>
             </a:fld>
             <a:endParaRPr lang="en-US"/>
           </a:p>
@@ -11924,7 +11924,7 @@
             <a:fld id="{1D8BD707-D9CF-40AE-B4C6-C98DA3205C09}" type="datetimeFigureOut">
               <a:rPr lang="en-US" smtClean="0"/>
               <a:pPr/>
-              <a:t>10/29/2018</a:t>
+              <a:t>10/30/2018</a:t>
             </a:fld>
             <a:endParaRPr lang="en-US"/>
           </a:p>
@@ -13451,7 +13451,7 @@
             <a:fld id="{1D8BD707-D9CF-40AE-B4C6-C98DA3205C09}" type="datetimeFigureOut">
               <a:rPr lang="en-US" smtClean="0"/>
               <a:pPr/>
-              <a:t>10/29/2018</a:t>
+              <a:t>10/30/2018</a:t>
             </a:fld>
             <a:endParaRPr lang="en-US"/>
           </a:p>
@@ -15059,7 +15059,7 @@
             <a:fld id="{1D8BD707-D9CF-40AE-B4C6-C98DA3205C09}" type="datetimeFigureOut">
               <a:rPr lang="en-US" smtClean="0"/>
               <a:pPr/>
-              <a:t>10/29/2018</a:t>
+              <a:t>10/30/2018</a:t>
             </a:fld>
             <a:endParaRPr lang="en-US"/>
           </a:p>
@@ -16415,7 +16415,7 @@
             <a:fld id="{1D8BD707-D9CF-40AE-B4C6-C98DA3205C09}" type="datetimeFigureOut">
               <a:rPr lang="en-US" smtClean="0"/>
               <a:pPr/>
-              <a:t>10/29/2018</a:t>
+              <a:t>10/30/2018</a:t>
             </a:fld>
             <a:endParaRPr lang="en-US"/>
           </a:p>
@@ -17309,7 +17309,7 @@
             <a:fld id="{1D8BD707-D9CF-40AE-B4C6-C98DA3205C09}" type="datetimeFigureOut">
               <a:rPr lang="en-US" smtClean="0"/>
               <a:pPr/>
-              <a:t>10/29/2018</a:t>
+              <a:t>10/30/2018</a:t>
             </a:fld>
             <a:endParaRPr lang="en-US"/>
           </a:p>
@@ -17835,7 +17835,7 @@
             <a:fld id="{1D8BD707-D9CF-40AE-B4C6-C98DA3205C09}" type="datetimeFigureOut">
               <a:rPr lang="en-US" smtClean="0"/>
               <a:pPr/>
-              <a:t>10/29/2018</a:t>
+              <a:t>10/30/2018</a:t>
             </a:fld>
             <a:endParaRPr lang="en-US"/>
           </a:p>
@@ -18397,7 +18397,7 @@
               <a:pPr>
                 <a:defRPr/>
               </a:pPr>
-              <a:t>10/29/2018</a:t>
+              <a:t>10/30/2018</a:t>
             </a:fld>
             <a:endParaRPr lang="en-US" dirty="0"/>
           </a:p>
@@ -19006,7 +19006,7 @@
               <a:pPr>
                 <a:defRPr/>
               </a:pPr>
-              <a:t>10/29/2018</a:t>
+              <a:t>10/30/2018</a:t>
             </a:fld>
             <a:endParaRPr lang="en-US" dirty="0"/>
           </a:p>
@@ -19804,7 +19804,7 @@
             <a:fld id="{1D8BD707-D9CF-40AE-B4C6-C98DA3205C09}" type="datetimeFigureOut">
               <a:rPr lang="en-US" smtClean="0"/>
               <a:pPr/>
-              <a:t>10/29/2018</a:t>
+              <a:t>10/30/2018</a:t>
             </a:fld>
             <a:endParaRPr lang="en-US"/>
           </a:p>
@@ -20073,7 +20073,7 @@
             <a:fld id="{1D8BD707-D9CF-40AE-B4C6-C98DA3205C09}" type="datetimeFigureOut">
               <a:rPr lang="en-US" smtClean="0"/>
               <a:pPr/>
-              <a:t>10/29/2018</a:t>
+              <a:t>10/30/2018</a:t>
             </a:fld>
             <a:endParaRPr lang="en-US"/>
           </a:p>
@@ -20255,7 +20255,7 @@
             <a:fld id="{1D8BD707-D9CF-40AE-B4C6-C98DA3205C09}" type="datetimeFigureOut">
               <a:rPr lang="en-US" smtClean="0"/>
               <a:pPr/>
-              <a:t>10/29/2018</a:t>
+              <a:t>10/30/2018</a:t>
             </a:fld>
             <a:endParaRPr lang="en-US"/>
           </a:p>
@@ -20447,7 +20447,7 @@
             <a:fld id="{1D8BD707-D9CF-40AE-B4C6-C98DA3205C09}" type="datetimeFigureOut">
               <a:rPr lang="en-US" smtClean="0"/>
               <a:pPr/>
-              <a:t>10/29/2018</a:t>
+              <a:t>10/30/2018</a:t>
             </a:fld>
             <a:endParaRPr lang="en-US"/>
           </a:p>
@@ -21344,7 +21344,7 @@
             <a:fld id="{1D8BD707-D9CF-40AE-B4C6-C98DA3205C09}" type="datetimeFigureOut">
               <a:rPr lang="en-US" smtClean="0"/>
               <a:pPr/>
-              <a:t>10/29/2018</a:t>
+              <a:t>10/30/2018</a:t>
             </a:fld>
             <a:endParaRPr lang="en-US"/>
           </a:p>
@@ -23059,7 +23059,7 @@
               <a:pPr>
                 <a:defRPr/>
               </a:pPr>
-              <a:t>10/29/2018</a:t>
+              <a:t>10/30/2018</a:t>
             </a:fld>
             <a:endParaRPr lang="en-US" dirty="0"/>
           </a:p>
@@ -24936,7 +24936,7 @@
               <a:pPr>
                 <a:defRPr/>
               </a:pPr>
-              <a:t>10/29/2018</a:t>
+              <a:t>10/30/2018</a:t>
             </a:fld>
             <a:endParaRPr lang="en-US" dirty="0"/>
           </a:p>
@@ -25230,7 +25230,7 @@
             <a:fld id="{1D8BD707-D9CF-40AE-B4C6-C98DA3205C09}" type="datetimeFigureOut">
               <a:rPr lang="en-US" smtClean="0"/>
               <a:pPr/>
-              <a:t>10/29/2018</a:t>
+              <a:t>10/30/2018</a:t>
             </a:fld>
             <a:endParaRPr lang="en-US"/>
           </a:p>
@@ -26980,7 +26980,7 @@
             <a:fld id="{1D8BD707-D9CF-40AE-B4C6-C98DA3205C09}" type="datetimeFigureOut">
               <a:rPr lang="en-US" smtClean="0"/>
               <a:pPr/>
-              <a:t>10/29/2018</a:t>
+              <a:t>10/30/2018</a:t>
             </a:fld>
             <a:endParaRPr lang="en-US"/>
           </a:p>
@@ -28263,7 +28263,7 @@
             <a:fld id="{1D8BD707-D9CF-40AE-B4C6-C98DA3205C09}" type="datetimeFigureOut">
               <a:rPr lang="en-US" smtClean="0"/>
               <a:pPr/>
-              <a:t>10/29/2018</a:t>
+              <a:t>10/30/2018</a:t>
             </a:fld>
             <a:endParaRPr lang="en-US"/>
           </a:p>
@@ -28548,7 +28548,7 @@
             <a:fld id="{1D8BD707-D9CF-40AE-B4C6-C98DA3205C09}" type="datetimeFigureOut">
               <a:rPr lang="en-US" smtClean="0"/>
               <a:pPr/>
-              <a:t>10/29/2018</a:t>
+              <a:t>10/30/2018</a:t>
             </a:fld>
             <a:endParaRPr lang="en-US"/>
           </a:p>
@@ -28816,7 +28816,7 @@
             <a:fld id="{1D8BD707-D9CF-40AE-B4C6-C98DA3205C09}" type="datetimeFigureOut">
               <a:rPr lang="en-US" smtClean="0"/>
               <a:pPr/>
-              <a:t>10/29/2018</a:t>
+              <a:t>10/30/2018</a:t>
             </a:fld>
             <a:endParaRPr lang="en-US"/>
           </a:p>
@@ -29052,7 +29052,7 @@
             <a:fld id="{1D8BD707-D9CF-40AE-B4C6-C98DA3205C09}" type="datetimeFigureOut">
               <a:rPr lang="en-US" smtClean="0"/>
               <a:pPr/>
-              <a:t>10/29/2018</a:t>
+              <a:t>10/30/2018</a:t>
             </a:fld>
             <a:endParaRPr lang="en-US"/>
           </a:p>
@@ -30918,7 +30918,7 @@
             <a:fld id="{1D8BD707-D9CF-40AE-B4C6-C98DA3205C09}" type="datetimeFigureOut">
               <a:rPr lang="en-US" smtClean="0"/>
               <a:pPr/>
-              <a:t>10/29/2018</a:t>
+              <a:t>10/30/2018</a:t>
             </a:fld>
             <a:endParaRPr lang="en-US"/>
           </a:p>
@@ -31507,7 +31507,7 @@
               <a:pPr>
                 <a:defRPr/>
               </a:pPr>
-              <a:t>10/29/2018</a:t>
+              <a:t>10/30/2018</a:t>
             </a:fld>
             <a:endParaRPr lang="en-US" dirty="0"/>
           </a:p>
@@ -34286,7 +34286,7 @@
               </a:lnSpc>
             </a:pPr>
             <a:r>
-              <a:rPr lang="en-US" altLang="en-US" sz="2400"/>
+              <a:rPr lang="en-US" altLang="en-US" sz="2400" dirty="0"/>
               <a:t>The following method:</a:t>
             </a:r>
           </a:p>
@@ -34297,7 +34297,7 @@
               </a:lnSpc>
             </a:pPr>
             <a:r>
-              <a:rPr lang="en-US" altLang="en-US" sz="2000">
+              <a:rPr lang="en-US" altLang="en-US" sz="2000" dirty="0">
                 <a:solidFill>
                   <a:schemeClr val="accent2"/>
                 </a:solidFill>
@@ -34305,7 +34305,7 @@
               </a:rPr>
               <a:t>long sum(long x, long y) { return x + y; }</a:t>
             </a:r>
-            <a:endParaRPr lang="en-US" altLang="en-US" sz="2000"/>
+            <a:endParaRPr lang="en-US" altLang="en-US" sz="2000" dirty="0"/>
           </a:p>
           <a:p>
             <a:pPr>
@@ -34314,7 +34314,7 @@
               </a:lnSpc>
             </a:pPr>
             <a:r>
-              <a:rPr lang="en-US" altLang="en-US" sz="2400"/>
+              <a:rPr lang="en-US" altLang="en-US" sz="2400" dirty="0"/>
               <a:t>with the following test:</a:t>
             </a:r>
           </a:p>
@@ -34325,7 +34325,7 @@
               </a:lnSpc>
             </a:pPr>
             <a:r>
-              <a:rPr lang="en-US" altLang="en-US" sz="2000">
+              <a:rPr lang="en-US" altLang="en-US" sz="2000" dirty="0">
                 <a:solidFill>
                   <a:schemeClr val="accent2"/>
                 </a:solidFill>
@@ -34334,7 +34334,7 @@
               <a:t>@Test</a:t>
             </a:r>
             <a:br>
-              <a:rPr lang="en-US" altLang="en-US" sz="2000">
+              <a:rPr lang="en-US" altLang="en-US" sz="2000" dirty="0">
                 <a:solidFill>
                   <a:schemeClr val="accent2"/>
                 </a:solidFill>
@@ -34342,7 +34342,7 @@
               </a:rPr>
             </a:br>
             <a:r>
-              <a:rPr lang="en-US" altLang="en-US" sz="2000">
+              <a:rPr lang="en-US" altLang="en-US" sz="2000" dirty="0">
                 <a:solidFill>
                   <a:schemeClr val="accent2"/>
                 </a:solidFill>
@@ -34351,7 +34351,7 @@
               <a:t>public void sum() {</a:t>
             </a:r>
             <a:br>
-              <a:rPr lang="en-US" altLang="en-US" sz="2000">
+              <a:rPr lang="en-US" altLang="en-US" sz="2000" dirty="0">
                 <a:solidFill>
                   <a:schemeClr val="accent2"/>
                 </a:solidFill>
@@ -34359,16 +34359,34 @@
               </a:rPr>
             </a:br>
             <a:r>
-              <a:rPr lang="en-US" altLang="en-US" sz="2000">
+              <a:rPr lang="en-US" altLang="en-US" sz="2000" dirty="0">
                 <a:solidFill>
                   <a:schemeClr val="accent2"/>
                 </a:solidFill>
                 <a:latin typeface="Trebuchet MS" panose="020B0603020202020204" pitchFamily="34" charset="0"/>
               </a:rPr>
-              <a:t>    assertEquals(4, s.sum(2, 2));</a:t>
+              <a:t>    </a:t>
+            </a:r>
+            <a:r>
+              <a:rPr lang="en-US" altLang="en-US" sz="2000" dirty="0" err="1">
+                <a:solidFill>
+                  <a:schemeClr val="accent2"/>
+                </a:solidFill>
+                <a:latin typeface="Trebuchet MS" panose="020B0603020202020204" pitchFamily="34" charset="0"/>
+              </a:rPr>
+              <a:t>assertEquals</a:t>
+            </a:r>
+            <a:r>
+              <a:rPr lang="en-US" altLang="en-US" sz="2000" dirty="0">
+                <a:solidFill>
+                  <a:schemeClr val="accent2"/>
+                </a:solidFill>
+                <a:latin typeface="Trebuchet MS" panose="020B0603020202020204" pitchFamily="34" charset="0"/>
+              </a:rPr>
+              <a:t>(4, sum(2, 2));</a:t>
             </a:r>
             <a:br>
-              <a:rPr lang="en-US" altLang="en-US" sz="2000">
+              <a:rPr lang="en-US" altLang="en-US" sz="2000" dirty="0">
                 <a:solidFill>
                   <a:schemeClr val="accent2"/>
                 </a:solidFill>
@@ -34376,7 +34394,7 @@
               </a:rPr>
             </a:br>
             <a:r>
-              <a:rPr lang="en-US" altLang="en-US" sz="2000">
+              <a:rPr lang="en-US" altLang="en-US" sz="2000" dirty="0">
                 <a:solidFill>
                   <a:schemeClr val="accent2"/>
                 </a:solidFill>
@@ -34384,7 +34402,7 @@
               </a:rPr>
               <a:t>}</a:t>
             </a:r>
-            <a:endParaRPr lang="en-US" altLang="en-US" sz="2000"/>
+            <a:endParaRPr lang="en-US" altLang="en-US" sz="2000" dirty="0"/>
           </a:p>
           <a:p>
             <a:pPr>
@@ -34393,7 +34411,7 @@
               </a:lnSpc>
             </a:pPr>
             <a:r>
-              <a:rPr lang="en-US" altLang="en-US" sz="2400"/>
+              <a:rPr lang="en-US" altLang="en-US" sz="2400" dirty="0"/>
               <a:t>gives:</a:t>
             </a:r>
           </a:p>
@@ -34404,7 +34422,7 @@
               </a:lnSpc>
             </a:pPr>
             <a:r>
-              <a:rPr lang="en-US" altLang="en-US" sz="2000">
+              <a:rPr lang="en-US" altLang="en-US" sz="2000" dirty="0">
                 <a:solidFill>
                   <a:schemeClr val="accent2"/>
                 </a:solidFill>
@@ -34412,7 +34430,7 @@
               </a:rPr>
               <a:t>expected: &lt;4&gt; but was: &lt;4&gt;</a:t>
             </a:r>
-            <a:endParaRPr lang="en-US" altLang="en-US" sz="2000"/>
+            <a:endParaRPr lang="en-US" altLang="en-US" sz="2000" dirty="0"/>
           </a:p>
           <a:p>
             <a:pPr>
@@ -34421,7 +34439,7 @@
               </a:lnSpc>
             </a:pPr>
             <a:r>
-              <a:rPr lang="en-US" altLang="en-US" sz="2400"/>
+              <a:rPr lang="en-US" altLang="en-US" sz="2400" dirty="0"/>
               <a:t>This is due to your friend, autoboxing</a:t>
             </a:r>
           </a:p>
@@ -34432,7 +34450,7 @@
               </a:lnSpc>
             </a:pPr>
             <a:r>
-              <a:rPr lang="en-US" altLang="en-US" sz="2000">
+              <a:rPr lang="en-US" altLang="en-US" sz="2000" dirty="0" err="1">
                 <a:solidFill>
                   <a:schemeClr val="accent2"/>
                 </a:solidFill>
@@ -34441,7 +34459,7 @@
               <a:t>assertEquals</a:t>
             </a:r>
             <a:r>
-              <a:rPr lang="en-US" altLang="en-US" sz="2000"/>
+              <a:rPr lang="en-US" altLang="en-US" sz="2000" dirty="0"/>
               <a:t> no longer exists for primitives, only for objects</a:t>
             </a:r>
           </a:p>
@@ -34452,11 +34470,11 @@
               </a:lnSpc>
             </a:pPr>
             <a:r>
-              <a:rPr lang="en-US" altLang="en-US" sz="2000"/>
+              <a:rPr lang="en-US" altLang="en-US" sz="2000" dirty="0"/>
               <a:t>Hence, the </a:t>
             </a:r>
             <a:r>
-              <a:rPr lang="en-US" altLang="en-US" sz="2000">
+              <a:rPr lang="en-US" altLang="en-US" sz="2000" dirty="0">
                 <a:solidFill>
                   <a:schemeClr val="accent2"/>
                 </a:solidFill>
@@ -34465,11 +34483,19 @@
               <a:t>4</a:t>
             </a:r>
             <a:r>
-              <a:rPr lang="en-US" altLang="en-US" sz="2000"/>
-              <a:t> is autoboxed to an </a:t>
-            </a:r>
-            <a:r>
-              <a:rPr lang="en-US" altLang="en-US" sz="2000">
+              <a:rPr lang="en-US" altLang="en-US" sz="2000" dirty="0"/>
+              <a:t> is </a:t>
+            </a:r>
+            <a:r>
+              <a:rPr lang="en-US" altLang="en-US" sz="2000" dirty="0" err="1"/>
+              <a:t>autoboxed</a:t>
+            </a:r>
+            <a:r>
+              <a:rPr lang="en-US" altLang="en-US" sz="2000" dirty="0"/>
+              <a:t> to an </a:t>
+            </a:r>
+            <a:r>
+              <a:rPr lang="en-US" altLang="en-US" sz="2000" dirty="0">
                 <a:solidFill>
                   <a:schemeClr val="accent2"/>
                 </a:solidFill>
@@ -34478,11 +34504,11 @@
               <a:t>Integer</a:t>
             </a:r>
             <a:r>
-              <a:rPr lang="en-US" altLang="en-US" sz="2000"/>
+              <a:rPr lang="en-US" altLang="en-US" sz="2000" dirty="0"/>
               <a:t>, while </a:t>
             </a:r>
             <a:r>
-              <a:rPr lang="en-US" altLang="en-US" sz="2000">
+              <a:rPr lang="en-US" altLang="en-US" sz="2000" dirty="0">
                 <a:solidFill>
                   <a:schemeClr val="accent2"/>
                 </a:solidFill>
@@ -34491,11 +34517,11 @@
               <a:t>sum</a:t>
             </a:r>
             <a:r>
-              <a:rPr lang="en-US" altLang="en-US" sz="2000"/>
+              <a:rPr lang="en-US" altLang="en-US" sz="2000" dirty="0"/>
               <a:t> returns a </a:t>
             </a:r>
             <a:r>
-              <a:rPr lang="en-US" altLang="en-US" sz="2000">
+              <a:rPr lang="en-US" altLang="en-US" sz="2000" dirty="0">
                 <a:solidFill>
                   <a:schemeClr val="accent2"/>
                 </a:solidFill>
@@ -34503,7 +34529,7 @@
               </a:rPr>
               <a:t>long</a:t>
             </a:r>
-            <a:endParaRPr lang="en-US" altLang="en-US" sz="2000"/>
+            <a:endParaRPr lang="en-US" altLang="en-US" sz="2000" dirty="0"/>
           </a:p>
           <a:p>
             <a:pPr lvl="1">
@@ -34512,8 +34538,16 @@
               </a:lnSpc>
             </a:pPr>
             <a:r>
-              <a:rPr lang="en-US" altLang="en-US" sz="2000"/>
-              <a:t>The error message means: expected int 4, but got long 4</a:t>
+              <a:rPr lang="en-US" altLang="en-US" sz="2000" dirty="0"/>
+              <a:t>The error message means: expected </a:t>
+            </a:r>
+            <a:r>
+              <a:rPr lang="en-US" altLang="en-US" sz="2000" dirty="0" err="1"/>
+              <a:t>int</a:t>
+            </a:r>
+            <a:r>
+              <a:rPr lang="en-US" altLang="en-US" sz="2000" dirty="0"/>
+              <a:t> 4, but got long 4</a:t>
             </a:r>
           </a:p>
           <a:p>
@@ -34523,11 +34557,11 @@
               </a:lnSpc>
             </a:pPr>
             <a:r>
-              <a:rPr lang="en-US" altLang="en-US" sz="2000"/>
+              <a:rPr lang="en-US" altLang="en-US" sz="2000" dirty="0"/>
               <a:t>To make this work, change the </a:t>
             </a:r>
             <a:r>
-              <a:rPr lang="en-US" altLang="en-US" sz="2000">
+              <a:rPr lang="en-US" altLang="en-US" sz="2000" dirty="0">
                 <a:solidFill>
                   <a:schemeClr val="accent2"/>
                 </a:solidFill>
@@ -34536,11 +34570,11 @@
               <a:t>4</a:t>
             </a:r>
             <a:r>
-              <a:rPr lang="en-US" altLang="en-US" sz="2000"/>
+              <a:rPr lang="en-US" altLang="en-US" sz="2000" dirty="0"/>
               <a:t> to a </a:t>
             </a:r>
             <a:r>
-              <a:rPr lang="en-US" altLang="en-US" sz="2000">
+              <a:rPr lang="en-US" altLang="en-US" sz="2000" dirty="0">
                 <a:solidFill>
                   <a:schemeClr val="accent2"/>
                 </a:solidFill>
@@ -34548,7 +34582,7 @@
               </a:rPr>
               <a:t>4L</a:t>
             </a:r>
-            <a:endParaRPr lang="en-US" altLang="en-US" sz="2000"/>
+            <a:endParaRPr lang="en-US" altLang="en-US" sz="2000" dirty="0"/>
           </a:p>
         </p:txBody>
       </p:sp>
